--- a/4-clean-formating.pptx
+++ b/4-clean-formating.pptx
@@ -67,7 +67,7 @@
     <p:sldId id="316" r:id="rId55"/>
   </p:sldIdLst>
   <p:sldSz cx="9144000" cy="6858000" type="screen4x3"/>
-  <p:notesSz cx="6858000" cy="9296400"/>
+  <p:notesSz cx="6858000" cy="9926638"/>
   <p:defaultTextStyle>
     <a:defPPr>
       <a:defRPr lang="en-US"/>
@@ -201,7 +201,7 @@
         <p:spPr>
           <a:xfrm>
             <a:off x="0" y="0"/>
-            <a:ext cx="2971800" cy="464820"/>
+            <a:ext cx="2971800" cy="496332"/>
           </a:xfrm>
           <a:prstGeom prst="rect">
             <a:avLst/>
@@ -232,7 +232,7 @@
         <p:spPr>
           <a:xfrm>
             <a:off x="3884613" y="0"/>
-            <a:ext cx="2971800" cy="464820"/>
+            <a:ext cx="2971800" cy="496332"/>
           </a:xfrm>
           <a:prstGeom prst="rect">
             <a:avLst/>
@@ -249,7 +249,7 @@
             <a:fld id="{3301DFD5-FD40-4477-9C34-F8ED1B86867A}" type="datetimeFigureOut">
               <a:rPr lang="el-GR" smtClean="0"/>
               <a:pPr/>
-              <a:t>13/10/2021</a:t>
+              <a:t>27/10/2022</a:t>
             </a:fld>
             <a:endParaRPr lang="el-GR"/>
           </a:p>
@@ -267,8 +267,8 @@
         </p:nvSpPr>
         <p:spPr>
           <a:xfrm>
-            <a:off x="0" y="8829967"/>
-            <a:ext cx="2971800" cy="464820"/>
+            <a:off x="0" y="9428584"/>
+            <a:ext cx="2971800" cy="496332"/>
           </a:xfrm>
           <a:prstGeom prst="rect">
             <a:avLst/>
@@ -298,8 +298,8 @@
         </p:nvSpPr>
         <p:spPr>
           <a:xfrm>
-            <a:off x="3884613" y="8829967"/>
-            <a:ext cx="2971800" cy="464820"/>
+            <a:off x="3884613" y="9428584"/>
+            <a:ext cx="2971800" cy="496332"/>
           </a:xfrm>
           <a:prstGeom prst="rect">
             <a:avLst/>
@@ -363,7 +363,7 @@
         <p:spPr>
           <a:xfrm>
             <a:off x="0" y="0"/>
-            <a:ext cx="2971800" cy="464820"/>
+            <a:ext cx="2971800" cy="496332"/>
           </a:xfrm>
           <a:prstGeom prst="rect">
             <a:avLst/>
@@ -394,7 +394,7 @@
         <p:spPr>
           <a:xfrm>
             <a:off x="3884613" y="0"/>
-            <a:ext cx="2971800" cy="464820"/>
+            <a:ext cx="2971800" cy="496332"/>
           </a:xfrm>
           <a:prstGeom prst="rect">
             <a:avLst/>
@@ -411,7 +411,7 @@
             <a:fld id="{DC17DF70-03C8-4BDB-82BF-9C076E474B74}" type="datetimeFigureOut">
               <a:rPr lang="el-GR" smtClean="0"/>
               <a:pPr/>
-              <a:t>13/10/2021</a:t>
+              <a:t>27/10/2022</a:t>
             </a:fld>
             <a:endParaRPr lang="el-GR"/>
           </a:p>
@@ -429,8 +429,8 @@
         </p:nvSpPr>
         <p:spPr>
           <a:xfrm>
-            <a:off x="1106488" y="696913"/>
-            <a:ext cx="4646612" cy="3486150"/>
+            <a:off x="949325" y="744538"/>
+            <a:ext cx="4960938" cy="3722687"/>
           </a:xfrm>
           <a:prstGeom prst="rect">
             <a:avLst/>
@@ -462,8 +462,8 @@
         </p:nvSpPr>
         <p:spPr>
           <a:xfrm>
-            <a:off x="685800" y="4415790"/>
-            <a:ext cx="5486400" cy="4183380"/>
+            <a:off x="685800" y="4715153"/>
+            <a:ext cx="5486400" cy="4466987"/>
           </a:xfrm>
           <a:prstGeom prst="rect">
             <a:avLst/>
@@ -524,8 +524,8 @@
         </p:nvSpPr>
         <p:spPr>
           <a:xfrm>
-            <a:off x="0" y="8829967"/>
-            <a:ext cx="2971800" cy="464820"/>
+            <a:off x="0" y="9428584"/>
+            <a:ext cx="2971800" cy="496332"/>
           </a:xfrm>
           <a:prstGeom prst="rect">
             <a:avLst/>
@@ -555,8 +555,8 @@
         </p:nvSpPr>
         <p:spPr>
           <a:xfrm>
-            <a:off x="3884613" y="8829967"/>
-            <a:ext cx="2971800" cy="464820"/>
+            <a:off x="3884613" y="9428584"/>
+            <a:ext cx="2971800" cy="496332"/>
           </a:xfrm>
           <a:prstGeom prst="rect">
             <a:avLst/>
@@ -4665,7 +4665,7 @@
             <a:fld id="{1D8BD707-D9CF-40AE-B4C6-C98DA3205C09}" type="datetimeFigureOut">
               <a:rPr lang="en-US" smtClean="0"/>
               <a:pPr/>
-              <a:t>10/13/2021</a:t>
+              <a:t>10/27/2022</a:t>
             </a:fld>
             <a:endParaRPr lang="en-US"/>
           </a:p>
@@ -5026,7 +5026,7 @@
             <a:fld id="{1D8BD707-D9CF-40AE-B4C6-C98DA3205C09}" type="datetimeFigureOut">
               <a:rPr lang="en-US" smtClean="0"/>
               <a:pPr/>
-              <a:t>10/13/2021</a:t>
+              <a:t>10/27/2022</a:t>
             </a:fld>
             <a:endParaRPr lang="en-US"/>
           </a:p>
@@ -5203,7 +5203,7 @@
             <a:fld id="{1D8BD707-D9CF-40AE-B4C6-C98DA3205C09}" type="datetimeFigureOut">
               <a:rPr lang="en-US" smtClean="0"/>
               <a:pPr/>
-              <a:t>10/13/2021</a:t>
+              <a:t>10/27/2022</a:t>
             </a:fld>
             <a:endParaRPr lang="en-US"/>
           </a:p>
@@ -5440,7 +5440,7 @@
             <a:fld id="{1D8BD707-D9CF-40AE-B4C6-C98DA3205C09}" type="datetimeFigureOut">
               <a:rPr lang="en-US" smtClean="0"/>
               <a:pPr/>
-              <a:t>10/13/2021</a:t>
+              <a:t>10/27/2022</a:t>
             </a:fld>
             <a:endParaRPr lang="en-US"/>
           </a:p>
@@ -5706,7 +5706,7 @@
             <a:fld id="{1D8BD707-D9CF-40AE-B4C6-C98DA3205C09}" type="datetimeFigureOut">
               <a:rPr lang="en-US" smtClean="0"/>
               <a:pPr/>
-              <a:t>10/13/2021</a:t>
+              <a:t>10/27/2022</a:t>
             </a:fld>
             <a:endParaRPr lang="en-US"/>
           </a:p>
@@ -5928,7 +5928,7 @@
             <a:fld id="{1D8BD707-D9CF-40AE-B4C6-C98DA3205C09}" type="datetimeFigureOut">
               <a:rPr lang="en-US" smtClean="0"/>
               <a:pPr/>
-              <a:t>10/13/2021</a:t>
+              <a:t>10/27/2022</a:t>
             </a:fld>
             <a:endParaRPr lang="en-US"/>
           </a:p>
@@ -6282,7 +6282,7 @@
             <a:fld id="{1D8BD707-D9CF-40AE-B4C6-C98DA3205C09}" type="datetimeFigureOut">
               <a:rPr lang="en-US" smtClean="0"/>
               <a:pPr/>
-              <a:t>10/13/2021</a:t>
+              <a:t>10/27/2022</a:t>
             </a:fld>
             <a:endParaRPr lang="en-US"/>
           </a:p>
@@ -6516,7 +6516,7 @@
             <a:fld id="{1D8BD707-D9CF-40AE-B4C6-C98DA3205C09}" type="datetimeFigureOut">
               <a:rPr lang="en-US" smtClean="0"/>
               <a:pPr/>
-              <a:t>10/13/2021</a:t>
+              <a:t>10/27/2022</a:t>
             </a:fld>
             <a:endParaRPr lang="en-US"/>
           </a:p>
@@ -6658,7 +6658,7 @@
             <a:fld id="{1D8BD707-D9CF-40AE-B4C6-C98DA3205C09}" type="datetimeFigureOut">
               <a:rPr lang="en-US" smtClean="0"/>
               <a:pPr/>
-              <a:t>10/13/2021</a:t>
+              <a:t>10/27/2022</a:t>
             </a:fld>
             <a:endParaRPr lang="en-US"/>
           </a:p>
@@ -6937,7 +6937,7 @@
             <a:fld id="{1D8BD707-D9CF-40AE-B4C6-C98DA3205C09}" type="datetimeFigureOut">
               <a:rPr lang="en-US" smtClean="0"/>
               <a:pPr/>
-              <a:t>10/13/2021</a:t>
+              <a:t>10/27/2022</a:t>
             </a:fld>
             <a:endParaRPr lang="en-US"/>
           </a:p>
@@ -7341,7 +7341,7 @@
             <a:fld id="{1D8BD707-D9CF-40AE-B4C6-C98DA3205C09}" type="datetimeFigureOut">
               <a:rPr lang="en-US" smtClean="0"/>
               <a:pPr/>
-              <a:t>10/13/2021</a:t>
+              <a:t>10/27/2022</a:t>
             </a:fld>
             <a:endParaRPr lang="en-US"/>
           </a:p>
@@ -7681,7 +7681,7 @@
             <a:fld id="{1D8BD707-D9CF-40AE-B4C6-C98DA3205C09}" type="datetimeFigureOut">
               <a:rPr lang="en-US" smtClean="0"/>
               <a:pPr/>
-              <a:t>10/13/2021</a:t>
+              <a:t>10/27/2022</a:t>
             </a:fld>
             <a:endParaRPr lang="en-US"/>
           </a:p>
